--- a/selinux.pptx
+++ b/selinux.pptx
@@ -137,6 +137,11 @@
       </a:defRPr>
     </a:lvl9pPr>
   </p:defaultTextStyle>
+  <p:extLst>
+    <p:ext uri="{EFAFB233-063F-42B5-8137-9DF3F51BA10A}">
+      <p15:sldGuideLst xmlns:p15="http://schemas.microsoft.com/office/powerpoint/2012/main"/>
+    </p:ext>
+  </p:extLst>
 </p:presentation>
 </file>
 
@@ -279,7 +284,7 @@
           <a:p>
             <a:fld id="{48A87A34-81AB-432B-8DAE-1953F412C126}" type="datetimeFigureOut">
               <a:rPr lang="en-US" dirty="0"/>
-              <a:t>7/6/2025</a:t>
+              <a:t>7/7/2025</a:t>
             </a:fld>
             <a:endParaRPr lang="en-US" dirty="0"/>
           </a:p>
@@ -485,7 +490,7 @@
           <a:p>
             <a:fld id="{48A87A34-81AB-432B-8DAE-1953F412C126}" type="datetimeFigureOut">
               <a:rPr lang="en-US" dirty="0"/>
-              <a:t>7/6/2025</a:t>
+              <a:t>7/7/2025</a:t>
             </a:fld>
             <a:endParaRPr lang="en-US" dirty="0"/>
           </a:p>
@@ -695,7 +700,7 @@
           <a:p>
             <a:fld id="{48A87A34-81AB-432B-8DAE-1953F412C126}" type="datetimeFigureOut">
               <a:rPr lang="en-US" dirty="0"/>
-              <a:t>7/6/2025</a:t>
+              <a:t>7/7/2025</a:t>
             </a:fld>
             <a:endParaRPr lang="en-US" dirty="0"/>
           </a:p>
@@ -891,7 +896,7 @@
           <a:p>
             <a:fld id="{48A87A34-81AB-432B-8DAE-1953F412C126}" type="datetimeFigureOut">
               <a:rPr lang="en-US" dirty="0"/>
-              <a:t>7/6/2025</a:t>
+              <a:t>7/7/2025</a:t>
             </a:fld>
             <a:endParaRPr lang="en-US" dirty="0"/>
           </a:p>
@@ -1165,7 +1170,7 @@
           <a:p>
             <a:fld id="{48A87A34-81AB-432B-8DAE-1953F412C126}" type="datetimeFigureOut">
               <a:rPr lang="en-US" dirty="0"/>
-              <a:t>7/6/2025</a:t>
+              <a:t>7/7/2025</a:t>
             </a:fld>
             <a:endParaRPr lang="en-US" dirty="0"/>
           </a:p>
@@ -1428,7 +1433,7 @@
           <a:p>
             <a:fld id="{48A87A34-81AB-432B-8DAE-1953F412C126}" type="datetimeFigureOut">
               <a:rPr lang="en-US" dirty="0"/>
-              <a:t>7/6/2025</a:t>
+              <a:t>7/7/2025</a:t>
             </a:fld>
             <a:endParaRPr lang="en-US" dirty="0"/>
           </a:p>
@@ -1839,7 +1844,7 @@
           <a:p>
             <a:fld id="{48A87A34-81AB-432B-8DAE-1953F412C126}" type="datetimeFigureOut">
               <a:rPr lang="en-US" dirty="0"/>
-              <a:t>7/6/2025</a:t>
+              <a:t>7/7/2025</a:t>
             </a:fld>
             <a:endParaRPr lang="en-US" dirty="0"/>
           </a:p>
@@ -1983,7 +1988,7 @@
           <a:p>
             <a:fld id="{48A87A34-81AB-432B-8DAE-1953F412C126}" type="datetimeFigureOut">
               <a:rPr lang="en-US" dirty="0"/>
-              <a:t>7/6/2025</a:t>
+              <a:t>7/7/2025</a:t>
             </a:fld>
             <a:endParaRPr lang="en-US" dirty="0"/>
           </a:p>
@@ -2104,7 +2109,7 @@
           <a:p>
             <a:fld id="{48A87A34-81AB-432B-8DAE-1953F412C126}" type="datetimeFigureOut">
               <a:rPr lang="en-US" dirty="0"/>
-              <a:t>7/6/2025</a:t>
+              <a:t>7/7/2025</a:t>
             </a:fld>
             <a:endParaRPr lang="en-US" dirty="0"/>
           </a:p>
@@ -2350,7 +2355,7 @@
           <a:p>
             <a:fld id="{48A87A34-81AB-432B-8DAE-1953F412C126}" type="datetimeFigureOut">
               <a:rPr lang="en-US" dirty="0"/>
-              <a:t>7/6/2025</a:t>
+              <a:t>7/7/2025</a:t>
             </a:fld>
             <a:endParaRPr lang="en-US" dirty="0"/>
           </a:p>
@@ -2791,7 +2796,7 @@
             <a:fld id="{48A87A34-81AB-432B-8DAE-1953F412C126}" type="datetimeFigureOut">
               <a:rPr lang="en-US" dirty="0"/>
               <a:pPr/>
-              <a:t>7/6/2025</a:t>
+              <a:t>7/7/2025</a:t>
             </a:fld>
             <a:endParaRPr lang="en-US" dirty="0"/>
           </a:p>
@@ -3114,7 +3119,7 @@
             <a:fld id="{48A87A34-81AB-432B-8DAE-1953F412C126}" type="datetimeFigureOut">
               <a:rPr lang="en-US" dirty="0"/>
               <a:pPr/>
-              <a:t>7/6/2025</a:t>
+              <a:t>7/7/2025</a:t>
             </a:fld>
             <a:endParaRPr lang="en-US" dirty="0"/>
           </a:p>
@@ -8467,15 +8472,15 @@
                 <a:ea typeface="Calibri Light" panose="020F0302020204030204" pitchFamily="34" charset="0"/>
                 <a:cs typeface="Calibri Light" panose="020F0302020204030204" pitchFamily="34" charset="0"/>
               </a:rPr>
-              <a:t>MLS implements the Bell-</a:t>
-            </a:r>
-            <a:r>
-              <a:rPr lang="en-US" dirty="0" err="1">
-                <a:latin typeface="Calibri Light" panose="020F0302020204030204" pitchFamily="34" charset="0"/>
-                <a:ea typeface="Calibri Light" panose="020F0302020204030204" pitchFamily="34" charset="0"/>
-                <a:cs typeface="Calibri Light" panose="020F0302020204030204" pitchFamily="34" charset="0"/>
-              </a:rPr>
-              <a:t>LaPadula</a:t>
+              <a:t>MLS implements </a:t>
+            </a:r>
+            <a:r>
+              <a:rPr lang="en-US">
+                <a:latin typeface="Calibri Light" panose="020F0302020204030204" pitchFamily="34" charset="0"/>
+                <a:ea typeface="Calibri Light" panose="020F0302020204030204" pitchFamily="34" charset="0"/>
+                <a:cs typeface="Calibri Light" panose="020F0302020204030204" pitchFamily="34" charset="0"/>
+              </a:rPr>
+              <a:t>the security </a:t>
             </a:r>
             <a:r>
               <a:rPr lang="en-US" dirty="0">
@@ -8483,7 +8488,7 @@
                 <a:ea typeface="Calibri Light" panose="020F0302020204030204" pitchFamily="34" charset="0"/>
                 <a:cs typeface="Calibri Light" panose="020F0302020204030204" pitchFamily="34" charset="0"/>
               </a:rPr>
-              <a:t> security model with hierarchical sensitivity levels and compartments (categories).</a:t>
+              <a:t>model with hierarchical sensitivity levels and compartments (categories).</a:t>
             </a:r>
           </a:p>
           <a:p>
